--- a/12-design-patterns/DesignPatterns.pptx
+++ b/12-design-patterns/DesignPatterns.pptx
@@ -285,7 +285,7 @@
           <a:p>
             <a:fld id="{F75F1916-52A4-4549-B1F5-217CA9A1735B}" type="datetimeFigureOut">
               <a:rPr lang="en-US" smtClean="0"/>
-              <a:t>5/31/19</a:t>
+              <a:t>6/3/19</a:t>
             </a:fld>
             <a:endParaRPr lang="en-US"/>
           </a:p>
@@ -483,7 +483,7 @@
           <a:p>
             <a:fld id="{F75F1916-52A4-4549-B1F5-217CA9A1735B}" type="datetimeFigureOut">
               <a:rPr lang="en-US" smtClean="0"/>
-              <a:t>5/31/19</a:t>
+              <a:t>6/3/19</a:t>
             </a:fld>
             <a:endParaRPr lang="en-US"/>
           </a:p>
@@ -691,7 +691,7 @@
           <a:p>
             <a:fld id="{F75F1916-52A4-4549-B1F5-217CA9A1735B}" type="datetimeFigureOut">
               <a:rPr lang="en-US" smtClean="0"/>
-              <a:t>5/31/19</a:t>
+              <a:t>6/3/19</a:t>
             </a:fld>
             <a:endParaRPr lang="en-US"/>
           </a:p>
@@ -889,7 +889,7 @@
           <a:p>
             <a:fld id="{F75F1916-52A4-4549-B1F5-217CA9A1735B}" type="datetimeFigureOut">
               <a:rPr lang="en-US" smtClean="0"/>
-              <a:t>5/31/19</a:t>
+              <a:t>6/3/19</a:t>
             </a:fld>
             <a:endParaRPr lang="en-US"/>
           </a:p>
@@ -1164,7 +1164,7 @@
           <a:p>
             <a:fld id="{F75F1916-52A4-4549-B1F5-217CA9A1735B}" type="datetimeFigureOut">
               <a:rPr lang="en-US" smtClean="0"/>
-              <a:t>5/31/19</a:t>
+              <a:t>6/3/19</a:t>
             </a:fld>
             <a:endParaRPr lang="en-US"/>
           </a:p>
@@ -1429,7 +1429,7 @@
           <a:p>
             <a:fld id="{F75F1916-52A4-4549-B1F5-217CA9A1735B}" type="datetimeFigureOut">
               <a:rPr lang="en-US" smtClean="0"/>
-              <a:t>5/31/19</a:t>
+              <a:t>6/3/19</a:t>
             </a:fld>
             <a:endParaRPr lang="en-US"/>
           </a:p>
@@ -1841,7 +1841,7 @@
           <a:p>
             <a:fld id="{F75F1916-52A4-4549-B1F5-217CA9A1735B}" type="datetimeFigureOut">
               <a:rPr lang="en-US" smtClean="0"/>
-              <a:t>5/31/19</a:t>
+              <a:t>6/3/19</a:t>
             </a:fld>
             <a:endParaRPr lang="en-US"/>
           </a:p>
@@ -1982,7 +1982,7 @@
           <a:p>
             <a:fld id="{F75F1916-52A4-4549-B1F5-217CA9A1735B}" type="datetimeFigureOut">
               <a:rPr lang="en-US" smtClean="0"/>
-              <a:t>5/31/19</a:t>
+              <a:t>6/3/19</a:t>
             </a:fld>
             <a:endParaRPr lang="en-US"/>
           </a:p>
@@ -2095,7 +2095,7 @@
           <a:p>
             <a:fld id="{F75F1916-52A4-4549-B1F5-217CA9A1735B}" type="datetimeFigureOut">
               <a:rPr lang="en-US" smtClean="0"/>
-              <a:t>5/31/19</a:t>
+              <a:t>6/3/19</a:t>
             </a:fld>
             <a:endParaRPr lang="en-US"/>
           </a:p>
@@ -2406,7 +2406,7 @@
           <a:p>
             <a:fld id="{F75F1916-52A4-4549-B1F5-217CA9A1735B}" type="datetimeFigureOut">
               <a:rPr lang="en-US" smtClean="0"/>
-              <a:t>5/31/19</a:t>
+              <a:t>6/3/19</a:t>
             </a:fld>
             <a:endParaRPr lang="en-US"/>
           </a:p>
@@ -2694,7 +2694,7 @@
           <a:p>
             <a:fld id="{F75F1916-52A4-4549-B1F5-217CA9A1735B}" type="datetimeFigureOut">
               <a:rPr lang="en-US" smtClean="0"/>
-              <a:t>5/31/19</a:t>
+              <a:t>6/3/19</a:t>
             </a:fld>
             <a:endParaRPr lang="en-US"/>
           </a:p>
@@ -2935,7 +2935,7 @@
           <a:p>
             <a:fld id="{F75F1916-52A4-4549-B1F5-217CA9A1735B}" type="datetimeFigureOut">
               <a:rPr lang="en-US" smtClean="0"/>
-              <a:t>5/31/19</a:t>
+              <a:t>6/3/19</a:t>
             </a:fld>
             <a:endParaRPr lang="en-US"/>
           </a:p>
@@ -9686,7 +9686,15 @@
           <a:p>
             <a:r>
               <a:rPr lang="en-US" dirty="0"/>
-              <a:t>	public Address build() { </a:t>
+              <a:t>	</a:t>
+            </a:r>
+            <a:r>
+              <a:rPr lang="en-US"/>
+              <a:t>public Computer </a:t>
+            </a:r>
+            <a:r>
+              <a:rPr lang="en-US" dirty="0"/>
+              <a:t>build() { </a:t>
             </a:r>
           </a:p>
           <a:p>
